--- a/presentation.pptx
+++ b/presentation.pptx
@@ -12,6 +12,7 @@
     <p:sldId id="260" r:id="rId7"/>
     <p:sldId id="261" r:id="rId8"/>
     <p:sldId id="262" r:id="rId9"/>
+    <p:sldId id="263" r:id="rId10"/>
   </p:sldIdLst>
   <p:sldSz cx="10080625" cy="7559675"/>
   <p:notesSz cx="7559675" cy="10691812"/>
@@ -1452,7 +1453,7 @@
           <a:bodyPr lIns="0" rIns="0" tIns="0" bIns="0"/>
           <a:p>
             <a:pPr algn="r"/>
-            <a:fld id="{8C023122-9318-4A89-8277-579F64392D13}" type="slidenum">
+            <a:fld id="{E6558924-4D65-4048-B7B0-B8D2D99AB444}" type="slidenum">
               <a:rPr lang="en-US" sz="1400" spc="-1">
                 <a:latin typeface="Times New Roman"/>
               </a:rPr>
@@ -2994,16 +2995,39 @@
           <a:chExt cx="0" cy="0"/>
         </a:xfrm>
       </p:grpSpPr>
-      <p:sp>
-        <p:nvSpPr>
-          <p:cNvPr id="83" name="TextShape 1"/>
+      <p:pic>
+        <p:nvPicPr>
+          <p:cNvPr id="83" name="" descr=""/>
+          <p:cNvPicPr/>
+          <p:nvPr/>
+        </p:nvPicPr>
+        <p:blipFill>
+          <a:blip r:embed="rId1"/>
+          <a:stretch/>
+        </p:blipFill>
+        <p:spPr>
+          <a:xfrm>
+            <a:off x="365760" y="1645920"/>
+            <a:ext cx="3988800" cy="4181040"/>
+          </a:xfrm>
+          <a:prstGeom prst="rect">
+            <a:avLst/>
+          </a:prstGeom>
+          <a:ln>
+            <a:noFill/>
+          </a:ln>
+        </p:spPr>
+      </p:pic>
+      <p:sp>
+        <p:nvSpPr>
+          <p:cNvPr id="84" name="TextShape 1"/>
           <p:cNvSpPr txBox="1"/>
           <p:nvPr/>
         </p:nvSpPr>
         <p:spPr>
           <a:xfrm>
-            <a:off x="504000" y="301320"/>
-            <a:ext cx="9071640" cy="1262160"/>
+            <a:off x="2651760" y="182880"/>
+            <a:ext cx="4480560" cy="1262160"/>
           </a:xfrm>
           <a:prstGeom prst="rect">
             <a:avLst/>
@@ -3021,12 +3045,35 @@
               <a:rPr lang="en-US" sz="4400" spc="-1">
                 <a:latin typeface="Arial"/>
               </a:rPr>
-              <a:t>Что получилось</a:t>
+              <a:t>Результаты</a:t>
             </a:r>
             <a:endParaRPr/>
           </a:p>
         </p:txBody>
       </p:sp>
+      <p:pic>
+        <p:nvPicPr>
+          <p:cNvPr id="85" name="" descr=""/>
+          <p:cNvPicPr/>
+          <p:nvPr/>
+        </p:nvPicPr>
+        <p:blipFill>
+          <a:blip r:embed="rId2"/>
+          <a:stretch/>
+        </p:blipFill>
+        <p:spPr>
+          <a:xfrm>
+            <a:off x="5303520" y="1645920"/>
+            <a:ext cx="4039560" cy="4206240"/>
+          </a:xfrm>
+          <a:prstGeom prst="rect">
+            <a:avLst/>
+          </a:prstGeom>
+          <a:ln>
+            <a:noFill/>
+          </a:ln>
+        </p:spPr>
+      </p:pic>
     </p:spTree>
   </p:cSld>
   <p:timing>
@@ -3078,13 +3125,13 @@
       </p:grpSpPr>
       <p:sp>
         <p:nvSpPr>
-          <p:cNvPr id="84" name="TextShape 1"/>
+          <p:cNvPr id="86" name="TextShape 1"/>
           <p:cNvSpPr txBox="1"/>
           <p:nvPr/>
         </p:nvSpPr>
         <p:spPr>
           <a:xfrm>
-            <a:off x="438120" y="3035520"/>
+            <a:off x="504000" y="301320"/>
             <a:ext cx="9071640" cy="1262160"/>
           </a:xfrm>
           <a:prstGeom prst="rect">
@@ -3099,12 +3146,32 @@
           <a:bodyPr lIns="0" rIns="0" tIns="0" bIns="0" anchor="ctr"/>
           <a:p>
             <a:pPr algn="ctr"/>
-            <a:r>
-              <a:rPr lang="en-US" sz="4400" spc="-1">
-                <a:latin typeface="Arial"/>
-              </a:rPr>
-              <a:t>Спасибо за внимание</a:t>
-            </a:r>
+            <a:endParaRPr/>
+          </a:p>
+        </p:txBody>
+      </p:sp>
+      <p:sp>
+        <p:nvSpPr>
+          <p:cNvPr id="87" name="TextShape 2"/>
+          <p:cNvSpPr txBox="1"/>
+          <p:nvPr/>
+        </p:nvSpPr>
+        <p:spPr>
+          <a:xfrm>
+            <a:off x="504000" y="1769040"/>
+            <a:ext cx="9071640" cy="4384440"/>
+          </a:xfrm>
+          <a:prstGeom prst="rect">
+            <a:avLst/>
+          </a:prstGeom>
+          <a:noFill/>
+          <a:ln>
+            <a:noFill/>
+          </a:ln>
+        </p:spPr>
+        <p:txBody>
+          <a:bodyPr lIns="0" rIns="0" tIns="0" bIns="0"/>
+          <a:p>
             <a:endParaRPr/>
           </a:p>
         </p:txBody>
@@ -3133,7 +3200,89 @@
       </p:grpSpPr>
       <p:sp>
         <p:nvSpPr>
-          <p:cNvPr id="85" name="TextShape 1"/>
+          <p:cNvPr id="88" name="TextShape 1"/>
+          <p:cNvSpPr txBox="1"/>
+          <p:nvPr/>
+        </p:nvSpPr>
+        <p:spPr>
+          <a:xfrm>
+            <a:off x="438120" y="3035520"/>
+            <a:ext cx="9071640" cy="1262160"/>
+          </a:xfrm>
+          <a:prstGeom prst="rect">
+            <a:avLst/>
+          </a:prstGeom>
+          <a:noFill/>
+          <a:ln>
+            <a:noFill/>
+          </a:ln>
+        </p:spPr>
+        <p:txBody>
+          <a:bodyPr lIns="0" rIns="0" tIns="0" bIns="0" anchor="ctr"/>
+          <a:p>
+            <a:pPr algn="ctr"/>
+            <a:r>
+              <a:rPr lang="en-US" sz="4400" spc="-1">
+                <a:latin typeface="Arial"/>
+              </a:rPr>
+              <a:t>Спасибо за внимание</a:t>
+            </a:r>
+            <a:endParaRPr/>
+          </a:p>
+        </p:txBody>
+      </p:sp>
+    </p:spTree>
+  </p:cSld>
+  <p:timing>
+    <p:tnLst>
+      <p:par>
+        <p:cTn id="11" dur="indefinite" restart="never" nodeType="tmRoot">
+          <p:childTnLst>
+            <p:seq>
+              <p:cTn id="12" nodeType="mainSeq"/>
+              <p:prevCondLst>
+                <p:cond delay="0" evt="onPrev">
+                  <p:tgtEl>
+                    <p:sldTgt/>
+                  </p:tgtEl>
+                </p:cond>
+              </p:prevCondLst>
+              <p:nextCondLst>
+                <p:cond delay="0" evt="onNext">
+                  <p:tgtEl>
+                    <p:sldTgt/>
+                  </p:tgtEl>
+                </p:cond>
+              </p:nextCondLst>
+            </p:seq>
+          </p:childTnLst>
+        </p:cTn>
+      </p:par>
+    </p:tnLst>
+  </p:timing>
+</p:sld>
+</file>
+
+<file path=ppt/slides/slide8.xml><?xml version="1.0" encoding="utf-8"?>
+<p:sld xmlns:a="http://schemas.openxmlformats.org/drawingml/2006/main" xmlns:p="http://schemas.openxmlformats.org/presentationml/2006/main" xmlns:r="http://schemas.openxmlformats.org/officeDocument/2006/relationships">
+  <p:cSld>
+    <p:spTree>
+      <p:nvGrpSpPr>
+        <p:cNvPr id="1" name=""/>
+        <p:cNvGrpSpPr/>
+        <p:nvPr/>
+      </p:nvGrpSpPr>
+      <p:grpSpPr>
+        <a:xfrm>
+          <a:off x="0" y="0"/>
+          <a:ext cx="0" cy="0"/>
+          <a:chOff x="0" y="0"/>
+          <a:chExt cx="0" cy="0"/>
+        </a:xfrm>
+      </p:grpSpPr>
+      <p:sp>
+        <p:nvSpPr>
+          <p:cNvPr id="89" name="TextShape 1"/>
           <p:cNvSpPr txBox="1"/>
           <p:nvPr/>
         </p:nvSpPr>
@@ -3166,7 +3315,7 @@
       </p:sp>
       <p:sp>
         <p:nvSpPr>
-          <p:cNvPr id="86" name="TextShape 2"/>
+          <p:cNvPr id="90" name="TextShape 2"/>
           <p:cNvSpPr txBox="1"/>
           <p:nvPr/>
         </p:nvSpPr>
@@ -3262,10 +3411,10 @@
   <p:timing>
     <p:tnLst>
       <p:par>
-        <p:cTn id="11" dur="indefinite" restart="never" nodeType="tmRoot">
+        <p:cTn id="13" dur="indefinite" restart="never" nodeType="tmRoot">
           <p:childTnLst>
             <p:seq>
-              <p:cTn id="12" nodeType="mainSeq"/>
+              <p:cTn id="14" nodeType="mainSeq"/>
               <p:prevCondLst>
                 <p:cond delay="0" evt="onPrev">
                   <p:tgtEl>

--- a/presentation.pptx
+++ b/presentation.pptx
@@ -1453,7 +1453,7 @@
           <a:bodyPr lIns="0" rIns="0" tIns="0" bIns="0"/>
           <a:p>
             <a:pPr algn="r"/>
-            <a:fld id="{E6558924-4D65-4048-B7B0-B8D2D99AB444}" type="slidenum">
+            <a:fld id="{ACC20B76-1C0C-4DE6-9645-D3B539F0D757}" type="slidenum">
               <a:rPr lang="en-US" sz="1400" spc="-1">
                 <a:latin typeface="Times New Roman"/>
               </a:rPr>
@@ -1700,7 +1700,7 @@
         </p:blipFill>
         <p:spPr>
           <a:xfrm>
-            <a:off x="182880" y="1698840"/>
+            <a:off x="182880" y="2530800"/>
             <a:ext cx="4114800" cy="3085560"/>
           </a:xfrm>
           <a:prstGeom prst="rect">
@@ -1723,7 +1723,7 @@
         </p:blipFill>
         <p:spPr>
           <a:xfrm>
-            <a:off x="5577840" y="1645920"/>
+            <a:off x="5577840" y="2477880"/>
             <a:ext cx="4377960" cy="3282840"/>
           </a:xfrm>
           <a:prstGeom prst="rect">
@@ -1746,7 +1746,7 @@
         </p:blipFill>
         <p:spPr>
           <a:xfrm rot="19425600">
-            <a:off x="6908760" y="1652040"/>
+            <a:off x="6908760" y="2484000"/>
             <a:ext cx="1753560" cy="1634400"/>
           </a:xfrm>
           <a:prstGeom prst="rect">
@@ -1765,7 +1765,7 @@
         </p:nvSpPr>
         <p:spPr>
           <a:xfrm>
-            <a:off x="3566160" y="2194560"/>
+            <a:off x="3566160" y="3026520"/>
             <a:ext cx="2560320" cy="1097280"/>
           </a:xfrm>
           <a:custGeom>
@@ -3007,8 +3007,8 @@
         </p:blipFill>
         <p:spPr>
           <a:xfrm>
-            <a:off x="365760" y="1645920"/>
-            <a:ext cx="3988800" cy="4181040"/>
+            <a:off x="0" y="1645920"/>
+            <a:ext cx="5059800" cy="5303520"/>
           </a:xfrm>
           <a:prstGeom prst="rect">
             <a:avLst/>
@@ -3063,8 +3063,8 @@
         </p:blipFill>
         <p:spPr>
           <a:xfrm>
-            <a:off x="5303520" y="1645920"/>
-            <a:ext cx="4039560" cy="4206240"/>
+            <a:off x="5030640" y="1645920"/>
+            <a:ext cx="5093280" cy="5303520"/>
           </a:xfrm>
           <a:prstGeom prst="rect">
             <a:avLst/>
@@ -3150,34 +3150,81 @@
           </a:p>
         </p:txBody>
       </p:sp>
-      <p:sp>
-        <p:nvSpPr>
-          <p:cNvPr id="87" name="TextShape 2"/>
-          <p:cNvSpPr txBox="1"/>
-          <p:nvPr/>
-        </p:nvSpPr>
-        <p:spPr>
-          <a:xfrm>
-            <a:off x="504000" y="1769040"/>
-            <a:ext cx="9071640" cy="4384440"/>
-          </a:xfrm>
-          <a:prstGeom prst="rect">
-            <a:avLst/>
-          </a:prstGeom>
-          <a:noFill/>
+      <p:pic>
+        <p:nvPicPr>
+          <p:cNvPr id="87" name="" descr=""/>
+          <p:cNvPicPr/>
+          <p:nvPr/>
+        </p:nvPicPr>
+        <p:blipFill>
+          <a:blip r:embed="rId1"/>
+          <a:stretch/>
+        </p:blipFill>
+        <p:spPr>
+          <a:xfrm>
+            <a:off x="4892400" y="1339560"/>
+            <a:ext cx="5348880" cy="5518440"/>
+          </a:xfrm>
+          <a:prstGeom prst="rect">
+            <a:avLst/>
+          </a:prstGeom>
           <a:ln>
             <a:noFill/>
           </a:ln>
         </p:spPr>
-        <p:txBody>
-          <a:bodyPr lIns="0" rIns="0" tIns="0" bIns="0"/>
-          <a:p>
-            <a:endParaRPr/>
-          </a:p>
-        </p:txBody>
-      </p:sp>
+      </p:pic>
+      <p:pic>
+        <p:nvPicPr>
+          <p:cNvPr id="88" name="" descr=""/>
+          <p:cNvPicPr/>
+          <p:nvPr/>
+        </p:nvPicPr>
+        <p:blipFill>
+          <a:blip r:embed="rId2"/>
+          <a:stretch/>
+        </p:blipFill>
+        <p:spPr>
+          <a:xfrm>
+            <a:off x="-77760" y="1280160"/>
+            <a:ext cx="5381280" cy="5609880"/>
+          </a:xfrm>
+          <a:prstGeom prst="rect">
+            <a:avLst/>
+          </a:prstGeom>
+          <a:ln>
+            <a:noFill/>
+          </a:ln>
+        </p:spPr>
+      </p:pic>
     </p:spTree>
   </p:cSld>
+  <p:timing>
+    <p:tnLst>
+      <p:par>
+        <p:cTn id="11" dur="indefinite" restart="never" nodeType="tmRoot">
+          <p:childTnLst>
+            <p:seq>
+              <p:cTn id="12" nodeType="mainSeq"/>
+              <p:prevCondLst>
+                <p:cond delay="0" evt="onPrev">
+                  <p:tgtEl>
+                    <p:sldTgt/>
+                  </p:tgtEl>
+                </p:cond>
+              </p:prevCondLst>
+              <p:nextCondLst>
+                <p:cond delay="0" evt="onNext">
+                  <p:tgtEl>
+                    <p:sldTgt/>
+                  </p:tgtEl>
+                </p:cond>
+              </p:nextCondLst>
+            </p:seq>
+          </p:childTnLst>
+        </p:cTn>
+      </p:par>
+    </p:tnLst>
+  </p:timing>
 </p:sld>
 </file>
 
@@ -3200,7 +3247,7 @@
       </p:grpSpPr>
       <p:sp>
         <p:nvSpPr>
-          <p:cNvPr id="88" name="TextShape 1"/>
+          <p:cNvPr id="89" name="TextShape 1"/>
           <p:cNvSpPr txBox="1"/>
           <p:nvPr/>
         </p:nvSpPr>
@@ -3236,10 +3283,10 @@
   <p:timing>
     <p:tnLst>
       <p:par>
-        <p:cTn id="11" dur="indefinite" restart="never" nodeType="tmRoot">
+        <p:cTn id="13" dur="indefinite" restart="never" nodeType="tmRoot">
           <p:childTnLst>
             <p:seq>
-              <p:cTn id="12" nodeType="mainSeq"/>
+              <p:cTn id="14" nodeType="mainSeq"/>
               <p:prevCondLst>
                 <p:cond delay="0" evt="onPrev">
                   <p:tgtEl>
@@ -3282,7 +3329,7 @@
       </p:grpSpPr>
       <p:sp>
         <p:nvSpPr>
-          <p:cNvPr id="89" name="TextShape 1"/>
+          <p:cNvPr id="90" name="TextShape 1"/>
           <p:cNvSpPr txBox="1"/>
           <p:nvPr/>
         </p:nvSpPr>
@@ -3315,7 +3362,7 @@
       </p:sp>
       <p:sp>
         <p:nvSpPr>
-          <p:cNvPr id="90" name="TextShape 2"/>
+          <p:cNvPr id="91" name="TextShape 2"/>
           <p:cNvSpPr txBox="1"/>
           <p:nvPr/>
         </p:nvSpPr>
@@ -3411,10 +3458,10 @@
   <p:timing>
     <p:tnLst>
       <p:par>
-        <p:cTn id="13" dur="indefinite" restart="never" nodeType="tmRoot">
+        <p:cTn id="15" dur="indefinite" restart="never" nodeType="tmRoot">
           <p:childTnLst>
             <p:seq>
-              <p:cTn id="14" nodeType="mainSeq"/>
+              <p:cTn id="16" nodeType="mainSeq"/>
               <p:prevCondLst>
                 <p:cond delay="0" evt="onPrev">
                   <p:tgtEl>
